--- a/lectureSlides/lecture3.pptx
+++ b/lectureSlides/lecture3.pptx
@@ -3374,7 +3374,7 @@
           <a:p>
             <a:fld id="{D0FE861C-486B-4E18-A0E9-A790238A915C}" type="datetimeFigureOut">
               <a:rPr lang="en-US" smtClean="0"/>
-              <a:t>11/26/24</a:t>
+              <a:t>1/17/2025</a:t>
             </a:fld>
             <a:endParaRPr lang="en-US"/>
           </a:p>
@@ -3982,7 +3982,7 @@
           <a:p>
             <a:fld id="{8102BAB4-8B8D-41DD-85C7-81A0CA962007}" type="datetimeFigureOut">
               <a:rPr lang="en-US" smtClean="0"/>
-              <a:t>11/26/24</a:t>
+              <a:t>1/17/2025</a:t>
             </a:fld>
             <a:endParaRPr lang="en-US"/>
           </a:p>
@@ -4145,7 +4145,7 @@
           <a:p>
             <a:fld id="{8102BAB4-8B8D-41DD-85C7-81A0CA962007}" type="datetimeFigureOut">
               <a:rPr lang="en-US" smtClean="0"/>
-              <a:t>11/26/24</a:t>
+              <a:t>1/17/2025</a:t>
             </a:fld>
             <a:endParaRPr lang="en-US"/>
           </a:p>
@@ -4318,7 +4318,7 @@
           <a:p>
             <a:fld id="{8102BAB4-8B8D-41DD-85C7-81A0CA962007}" type="datetimeFigureOut">
               <a:rPr lang="en-US" smtClean="0"/>
-              <a:t>11/26/24</a:t>
+              <a:t>1/17/2025</a:t>
             </a:fld>
             <a:endParaRPr lang="en-US"/>
           </a:p>
@@ -4481,7 +4481,7 @@
           <a:p>
             <a:fld id="{8102BAB4-8B8D-41DD-85C7-81A0CA962007}" type="datetimeFigureOut">
               <a:rPr lang="en-US" smtClean="0"/>
-              <a:t>11/26/24</a:t>
+              <a:t>1/17/2025</a:t>
             </a:fld>
             <a:endParaRPr lang="en-US"/>
           </a:p>
@@ -4721,7 +4721,7 @@
           <a:p>
             <a:fld id="{8102BAB4-8B8D-41DD-85C7-81A0CA962007}" type="datetimeFigureOut">
               <a:rPr lang="en-US" smtClean="0"/>
-              <a:t>11/26/24</a:t>
+              <a:t>1/17/2025</a:t>
             </a:fld>
             <a:endParaRPr lang="en-US"/>
           </a:p>
@@ -5001,7 +5001,7 @@
           <a:p>
             <a:fld id="{8102BAB4-8B8D-41DD-85C7-81A0CA962007}" type="datetimeFigureOut">
               <a:rPr lang="en-US" smtClean="0"/>
-              <a:t>11/26/24</a:t>
+              <a:t>1/17/2025</a:t>
             </a:fld>
             <a:endParaRPr lang="en-US"/>
           </a:p>
@@ -5415,7 +5415,7 @@
           <a:p>
             <a:fld id="{8102BAB4-8B8D-41DD-85C7-81A0CA962007}" type="datetimeFigureOut">
               <a:rPr lang="en-US" smtClean="0"/>
-              <a:t>11/26/24</a:t>
+              <a:t>1/17/2025</a:t>
             </a:fld>
             <a:endParaRPr lang="en-US"/>
           </a:p>
@@ -5527,7 +5527,7 @@
           <a:p>
             <a:fld id="{8102BAB4-8B8D-41DD-85C7-81A0CA962007}" type="datetimeFigureOut">
               <a:rPr lang="en-US" smtClean="0"/>
-              <a:t>11/26/24</a:t>
+              <a:t>1/17/2025</a:t>
             </a:fld>
             <a:endParaRPr lang="en-US"/>
           </a:p>
@@ -5617,7 +5617,7 @@
           <a:p>
             <a:fld id="{8102BAB4-8B8D-41DD-85C7-81A0CA962007}" type="datetimeFigureOut">
               <a:rPr lang="en-US" smtClean="0"/>
-              <a:t>11/26/24</a:t>
+              <a:t>1/17/2025</a:t>
             </a:fld>
             <a:endParaRPr lang="en-US"/>
           </a:p>
@@ -5887,7 +5887,7 @@
           <a:p>
             <a:fld id="{8102BAB4-8B8D-41DD-85C7-81A0CA962007}" type="datetimeFigureOut">
               <a:rPr lang="en-US" smtClean="0"/>
-              <a:t>11/26/24</a:t>
+              <a:t>1/17/2025</a:t>
             </a:fld>
             <a:endParaRPr lang="en-US"/>
           </a:p>
@@ -6134,7 +6134,7 @@
           <a:p>
             <a:fld id="{8102BAB4-8B8D-41DD-85C7-81A0CA962007}" type="datetimeFigureOut">
               <a:rPr lang="en-US" smtClean="0"/>
-              <a:t>11/26/24</a:t>
+              <a:t>1/17/2025</a:t>
             </a:fld>
             <a:endParaRPr lang="en-US"/>
           </a:p>
@@ -6340,7 +6340,7 @@
           <a:p>
             <a:fld id="{8102BAB4-8B8D-41DD-85C7-81A0CA962007}" type="datetimeFigureOut">
               <a:rPr lang="en-US" smtClean="0"/>
-              <a:t>11/26/24</a:t>
+              <a:t>1/17/2025</a:t>
             </a:fld>
             <a:endParaRPr lang="en-US"/>
           </a:p>
@@ -6840,8 +6840,8 @@
               </a:lnSpc>
             </a:pPr>
             <a:r>
-              <a:rPr lang="en-US" sz="2500"/>
-              <a:t>IT&amp;C 151R – Applications of Cybersecurity Training</a:t>
+              <a:rPr lang="en-US" sz="2500" dirty="0"/>
+              <a:t>IT&amp;C 515R – Applications of Cybersecurity Training</a:t>
             </a:r>
           </a:p>
         </p:txBody>
@@ -8298,7 +8298,7 @@
           </p:nvPr>
         </p:nvPicPr>
         <p:blipFill>
-          <a:blip r:embed="rId2">
+          <a:blip r:embed="rId2" cstate="print">
             <a:extLst>
               <a:ext uri="{28A0092B-C50C-407E-A947-70E740481C1C}">
                 <a14:useLocalDpi xmlns:a14="http://schemas.microsoft.com/office/drawing/2010/main" val="0"/>
@@ -8851,7 +8851,7 @@
           <p:nvPr/>
         </p:nvPicPr>
         <p:blipFill>
-          <a:blip r:embed="rId2">
+          <a:blip r:embed="rId2" cstate="print">
             <a:extLst>
               <a:ext uri="{28A0092B-C50C-407E-A947-70E740481C1C}">
                 <a14:useLocalDpi xmlns:a14="http://schemas.microsoft.com/office/drawing/2010/main" val="0"/>
